--- a/TinyCapsule/Presentation.pptx
+++ b/TinyCapsule/Presentation.pptx
@@ -207,7 +207,7 @@
           <a:p>
             <a:fld id="{BB4E6E2E-574C-492F-9F3E-7FB5BF63492B}" type="datetimeFigureOut">
               <a:rPr lang="zh-CN" altLang="en-US" smtClean="0"/>
-              <a:t>2018/12/30</a:t>
+              <a:t>2019/2/16</a:t>
             </a:fld>
             <a:endParaRPr lang="zh-CN" altLang="en-US"/>
           </a:p>
@@ -941,7 +941,7 @@
           <a:p>
             <a:fld id="{739526D3-1265-404B-B34A-C951EDB6AC9E}" type="datetimeFigureOut">
               <a:rPr lang="zh-CN" altLang="en-US" smtClean="0"/>
-              <a:t>2018/12/30</a:t>
+              <a:t>2019/2/16</a:t>
             </a:fld>
             <a:endParaRPr lang="zh-CN" altLang="en-US"/>
           </a:p>
@@ -1130,7 +1130,7 @@
           <a:p>
             <a:fld id="{739526D3-1265-404B-B34A-C951EDB6AC9E}" type="datetimeFigureOut">
               <a:rPr lang="zh-CN" altLang="en-US" smtClean="0"/>
-              <a:t>2018/12/30</a:t>
+              <a:t>2019/2/16</a:t>
             </a:fld>
             <a:endParaRPr lang="zh-CN" altLang="en-US"/>
           </a:p>
@@ -1317,7 +1317,7 @@
           <a:p>
             <a:fld id="{739526D3-1265-404B-B34A-C951EDB6AC9E}" type="datetimeFigureOut">
               <a:rPr lang="zh-CN" altLang="en-US" smtClean="0"/>
-              <a:t>2018/12/30</a:t>
+              <a:t>2019/2/16</a:t>
             </a:fld>
             <a:endParaRPr lang="zh-CN" altLang="en-US"/>
           </a:p>
@@ -1494,7 +1494,7 @@
           <a:p>
             <a:fld id="{739526D3-1265-404B-B34A-C951EDB6AC9E}" type="datetimeFigureOut">
               <a:rPr lang="zh-CN" altLang="en-US" smtClean="0"/>
-              <a:t>2018/12/30</a:t>
+              <a:t>2019/2/16</a:t>
             </a:fld>
             <a:endParaRPr lang="zh-CN" altLang="en-US"/>
           </a:p>
@@ -1759,7 +1759,7 @@
           <a:p>
             <a:fld id="{739526D3-1265-404B-B34A-C951EDB6AC9E}" type="datetimeFigureOut">
               <a:rPr lang="zh-CN" altLang="en-US" smtClean="0"/>
-              <a:t>2018/12/30</a:t>
+              <a:t>2019/2/16</a:t>
             </a:fld>
             <a:endParaRPr lang="zh-CN" altLang="en-US"/>
           </a:p>
@@ -2010,7 +2010,7 @@
           <a:p>
             <a:fld id="{739526D3-1265-404B-B34A-C951EDB6AC9E}" type="datetimeFigureOut">
               <a:rPr lang="zh-CN" altLang="en-US" smtClean="0"/>
-              <a:t>2018/12/30</a:t>
+              <a:t>2019/2/16</a:t>
             </a:fld>
             <a:endParaRPr lang="zh-CN" altLang="en-US"/>
           </a:p>
@@ -2384,7 +2384,7 @@
           <a:p>
             <a:fld id="{739526D3-1265-404B-B34A-C951EDB6AC9E}" type="datetimeFigureOut">
               <a:rPr lang="zh-CN" altLang="en-US" smtClean="0"/>
-              <a:t>2018/12/30</a:t>
+              <a:t>2019/2/16</a:t>
             </a:fld>
             <a:endParaRPr lang="zh-CN" altLang="en-US"/>
           </a:p>
@@ -2521,7 +2521,7 @@
           <a:p>
             <a:fld id="{739526D3-1265-404B-B34A-C951EDB6AC9E}" type="datetimeFigureOut">
               <a:rPr lang="zh-CN" altLang="en-US" smtClean="0"/>
-              <a:t>2018/12/30</a:t>
+              <a:t>2019/2/16</a:t>
             </a:fld>
             <a:endParaRPr lang="zh-CN" altLang="en-US"/>
           </a:p>
@@ -2635,7 +2635,7 @@
           <a:p>
             <a:fld id="{739526D3-1265-404B-B34A-C951EDB6AC9E}" type="datetimeFigureOut">
               <a:rPr lang="zh-CN" altLang="en-US" smtClean="0"/>
-              <a:t>2018/12/30</a:t>
+              <a:t>2019/2/16</a:t>
             </a:fld>
             <a:endParaRPr lang="zh-CN" altLang="en-US"/>
           </a:p>
@@ -2931,7 +2931,7 @@
           <a:p>
             <a:fld id="{739526D3-1265-404B-B34A-C951EDB6AC9E}" type="datetimeFigureOut">
               <a:rPr lang="zh-CN" altLang="en-US" smtClean="0"/>
-              <a:t>2018/12/30</a:t>
+              <a:t>2019/2/16</a:t>
             </a:fld>
             <a:endParaRPr lang="zh-CN" altLang="en-US"/>
           </a:p>
@@ -3203,7 +3203,7 @@
           <a:p>
             <a:fld id="{739526D3-1265-404B-B34A-C951EDB6AC9E}" type="datetimeFigureOut">
               <a:rPr lang="zh-CN" altLang="en-US" smtClean="0"/>
-              <a:t>2018/12/30</a:t>
+              <a:t>2019/2/16</a:t>
             </a:fld>
             <a:endParaRPr lang="zh-CN" altLang="en-US"/>
           </a:p>
@@ -3440,7 +3440,7 @@
           <a:p>
             <a:fld id="{739526D3-1265-404B-B34A-C951EDB6AC9E}" type="datetimeFigureOut">
               <a:rPr lang="zh-CN" altLang="en-US" smtClean="0"/>
-              <a:t>2018/12/30</a:t>
+              <a:t>2019/2/16</a:t>
             </a:fld>
             <a:endParaRPr lang="zh-CN" altLang="en-US"/>
           </a:p>
@@ -4163,18 +4163,7 @@
                 <a:ea typeface="微软雅黑" panose="020B0503020204020204" pitchFamily="34" charset="-122"/>
                 <a:sym typeface="微软雅黑" panose="020B0503020204020204" pitchFamily="34" charset="-122"/>
               </a:rPr>
-              <a:t>杨</a:t>
-            </a:r>
-            <a:r>
-              <a:rPr lang="zh-CN" altLang="en-US" sz="1600" dirty="0" smtClean="0">
-                <a:solidFill>
-                  <a:srgbClr val="5E616A"/>
-                </a:solidFill>
-                <a:latin typeface="微软雅黑" panose="020B0503020204020204" pitchFamily="34" charset="-122"/>
-                <a:ea typeface="微软雅黑" panose="020B0503020204020204" pitchFamily="34" charset="-122"/>
-                <a:sym typeface="微软雅黑" panose="020B0503020204020204" pitchFamily="34" charset="-122"/>
-              </a:rPr>
-              <a:t>迅</a:t>
+              <a:t>杨迅</a:t>
             </a:r>
             <a:endParaRPr lang="en-US" altLang="zh-CN" sz="1600" dirty="0" smtClean="0">
               <a:solidFill>
@@ -7210,8 +7199,8 @@
         </p:nvSpPr>
         <p:spPr>
           <a:xfrm>
-            <a:off x="6335904" y="3059873"/>
-            <a:ext cx="4267009" cy="461665"/>
+            <a:off x="5702300" y="3059873"/>
+            <a:ext cx="6087246" cy="422873"/>
           </a:xfrm>
           <a:prstGeom prst="rect">
             <a:avLst/>
@@ -7327,7 +7316,7 @@
               </a:lnSpc>
             </a:pPr>
             <a:r>
-              <a:rPr lang="en-US" altLang="zh-CN" sz="1600" dirty="0" smtClean="0">
+              <a:rPr lang="en-US" altLang="zh-CN" sz="1600" dirty="0">
                 <a:solidFill>
                   <a:schemeClr val="tx1">
                     <a:lumMod val="65000"/>
@@ -7336,19 +7325,7 @@
                 </a:solidFill>
                 <a:hlinkClick r:id="rId3"/>
               </a:rPr>
-              <a:t>https</a:t>
-            </a:r>
-            <a:r>
-              <a:rPr lang="en-US" altLang="zh-CN" sz="1600" dirty="0">
-                <a:solidFill>
-                  <a:schemeClr val="tx1">
-                    <a:lumMod val="65000"/>
-                    <a:lumOff val="35000"/>
-                  </a:schemeClr>
-                </a:solidFill>
-                <a:hlinkClick r:id="rId3"/>
-              </a:rPr>
-              <a:t>://github.com/HoshinoHaku/TinyCapsule</a:t>
+              <a:t>https://github.com/13120092188/Android/tree/master/TinyCapsule</a:t>
             </a:r>
             <a:endParaRPr lang="zh-CN" altLang="en-US" sz="1600" dirty="0">
               <a:solidFill>
@@ -9884,8 +9861,20 @@
                 <a:tableStyleId>{0E3FDE45-AF77-4B5C-9715-49D594BDF05E}</a:tableStyleId>
               </a:tblPr>
               <a:tblGrid>
-                <a:gridCol w="2709333"/>
-                <a:gridCol w="2709333"/>
+                <a:gridCol w="2709333">
+                  <a:extLst>
+                    <a:ext uri="{9D8B030D-6E8A-4147-A177-3AD203B41FA5}">
+                      <a16:colId xmlns:a16="http://schemas.microsoft.com/office/drawing/2014/main" val="20000"/>
+                    </a:ext>
+                  </a:extLst>
+                </a:gridCol>
+                <a:gridCol w="2709333">
+                  <a:extLst>
+                    <a:ext uri="{9D8B030D-6E8A-4147-A177-3AD203B41FA5}">
+                      <a16:colId xmlns:a16="http://schemas.microsoft.com/office/drawing/2014/main" val="20001"/>
+                    </a:ext>
+                  </a:extLst>
+                </a:gridCol>
               </a:tblGrid>
               <a:tr h="370840">
                 <a:tc>
@@ -9918,6 +9907,11 @@
                   </a:txBody>
                   <a:tcPr/>
                 </a:tc>
+                <a:extLst>
+                  <a:ext uri="{0D108BD9-81ED-4DB2-BD59-A6C34878D82A}">
+                    <a16:rowId xmlns:a16="http://schemas.microsoft.com/office/drawing/2014/main" val="10000"/>
+                  </a:ext>
+                </a:extLst>
               </a:tr>
               <a:tr h="370840">
                 <a:tc>
@@ -9950,6 +9944,11 @@
                   </a:txBody>
                   <a:tcPr/>
                 </a:tc>
+                <a:extLst>
+                  <a:ext uri="{0D108BD9-81ED-4DB2-BD59-A6C34878D82A}">
+                    <a16:rowId xmlns:a16="http://schemas.microsoft.com/office/drawing/2014/main" val="10001"/>
+                  </a:ext>
+                </a:extLst>
               </a:tr>
               <a:tr h="370840">
                 <a:tc>
@@ -9982,6 +9981,11 @@
                   </a:txBody>
                   <a:tcPr/>
                 </a:tc>
+                <a:extLst>
+                  <a:ext uri="{0D108BD9-81ED-4DB2-BD59-A6C34878D82A}">
+                    <a16:rowId xmlns:a16="http://schemas.microsoft.com/office/drawing/2014/main" val="10002"/>
+                  </a:ext>
+                </a:extLst>
               </a:tr>
               <a:tr h="370840">
                 <a:tc>
@@ -10014,6 +10018,11 @@
                   </a:txBody>
                   <a:tcPr/>
                 </a:tc>
+                <a:extLst>
+                  <a:ext uri="{0D108BD9-81ED-4DB2-BD59-A6C34878D82A}">
+                    <a16:rowId xmlns:a16="http://schemas.microsoft.com/office/drawing/2014/main" val="10003"/>
+                  </a:ext>
+                </a:extLst>
               </a:tr>
               <a:tr h="370840">
                 <a:tc>
@@ -10046,6 +10055,11 @@
                   </a:txBody>
                   <a:tcPr/>
                 </a:tc>
+                <a:extLst>
+                  <a:ext uri="{0D108BD9-81ED-4DB2-BD59-A6C34878D82A}">
+                    <a16:rowId xmlns:a16="http://schemas.microsoft.com/office/drawing/2014/main" val="10004"/>
+                  </a:ext>
+                </a:extLst>
               </a:tr>
               <a:tr h="370840">
                 <a:tc>
@@ -10078,6 +10092,11 @@
                   </a:txBody>
                   <a:tcPr/>
                 </a:tc>
+                <a:extLst>
+                  <a:ext uri="{0D108BD9-81ED-4DB2-BD59-A6C34878D82A}">
+                    <a16:rowId xmlns:a16="http://schemas.microsoft.com/office/drawing/2014/main" val="10005"/>
+                  </a:ext>
+                </a:extLst>
               </a:tr>
               <a:tr h="370840">
                 <a:tc>
@@ -10110,6 +10129,11 @@
                   </a:txBody>
                   <a:tcPr/>
                 </a:tc>
+                <a:extLst>
+                  <a:ext uri="{0D108BD9-81ED-4DB2-BD59-A6C34878D82A}">
+                    <a16:rowId xmlns:a16="http://schemas.microsoft.com/office/drawing/2014/main" val="10006"/>
+                  </a:ext>
+                </a:extLst>
               </a:tr>
               <a:tr h="370840">
                 <a:tc>
@@ -10150,6 +10174,11 @@
                   </a:txBody>
                   <a:tcPr/>
                 </a:tc>
+                <a:extLst>
+                  <a:ext uri="{0D108BD9-81ED-4DB2-BD59-A6C34878D82A}">
+                    <a16:rowId xmlns:a16="http://schemas.microsoft.com/office/drawing/2014/main" val="10007"/>
+                  </a:ext>
+                </a:extLst>
               </a:tr>
               <a:tr h="370840">
                 <a:tc>
@@ -10182,6 +10211,11 @@
                   </a:txBody>
                   <a:tcPr/>
                 </a:tc>
+                <a:extLst>
+                  <a:ext uri="{0D108BD9-81ED-4DB2-BD59-A6C34878D82A}">
+                    <a16:rowId xmlns:a16="http://schemas.microsoft.com/office/drawing/2014/main" val="10008"/>
+                  </a:ext>
+                </a:extLst>
               </a:tr>
               <a:tr h="370840">
                 <a:tc>
@@ -10222,6 +10256,11 @@
                   </a:txBody>
                   <a:tcPr/>
                 </a:tc>
+                <a:extLst>
+                  <a:ext uri="{0D108BD9-81ED-4DB2-BD59-A6C34878D82A}">
+                    <a16:rowId xmlns:a16="http://schemas.microsoft.com/office/drawing/2014/main" val="10009"/>
+                  </a:ext>
+                </a:extLst>
               </a:tr>
               <a:tr h="370840">
                 <a:tc>
@@ -10258,6 +10297,11 @@
                   </a:txBody>
                   <a:tcPr/>
                 </a:tc>
+                <a:extLst>
+                  <a:ext uri="{0D108BD9-81ED-4DB2-BD59-A6C34878D82A}">
+                    <a16:rowId xmlns:a16="http://schemas.microsoft.com/office/drawing/2014/main" val="10010"/>
+                  </a:ext>
+                </a:extLst>
               </a:tr>
               <a:tr h="370840">
                 <a:tc>
@@ -10290,6 +10334,11 @@
                   </a:txBody>
                   <a:tcPr/>
                 </a:tc>
+                <a:extLst>
+                  <a:ext uri="{0D108BD9-81ED-4DB2-BD59-A6C34878D82A}">
+                    <a16:rowId xmlns:a16="http://schemas.microsoft.com/office/drawing/2014/main" val="10011"/>
+                  </a:ext>
+                </a:extLst>
               </a:tr>
               <a:tr h="370840">
                 <a:tc>
@@ -10322,6 +10371,11 @@
                   </a:txBody>
                   <a:tcPr/>
                 </a:tc>
+                <a:extLst>
+                  <a:ext uri="{0D108BD9-81ED-4DB2-BD59-A6C34878D82A}">
+                    <a16:rowId xmlns:a16="http://schemas.microsoft.com/office/drawing/2014/main" val="10012"/>
+                  </a:ext>
+                </a:extLst>
               </a:tr>
               <a:tr h="370840">
                 <a:tc>
@@ -10354,6 +10408,11 @@
                   </a:txBody>
                   <a:tcPr/>
                 </a:tc>
+                <a:extLst>
+                  <a:ext uri="{0D108BD9-81ED-4DB2-BD59-A6C34878D82A}">
+                    <a16:rowId xmlns:a16="http://schemas.microsoft.com/office/drawing/2014/main" val="10013"/>
+                  </a:ext>
+                </a:extLst>
               </a:tr>
               <a:tr h="370840">
                 <a:tc>
@@ -10394,6 +10453,11 @@
                   </a:txBody>
                   <a:tcPr/>
                 </a:tc>
+                <a:extLst>
+                  <a:ext uri="{0D108BD9-81ED-4DB2-BD59-A6C34878D82A}">
+                    <a16:rowId xmlns:a16="http://schemas.microsoft.com/office/drawing/2014/main" val="10014"/>
+                  </a:ext>
+                </a:extLst>
               </a:tr>
             </a:tbl>
           </a:graphicData>
